--- a/Presentation1.pptx
+++ b/Presentation1.pptx
@@ -6,9 +6,10 @@
   </p:sldMasterIdLst>
   <p:sldIdLst>
     <p:sldId id="260" r:id="rId2"/>
-    <p:sldId id="261" r:id="rId3"/>
-    <p:sldId id="263" r:id="rId4"/>
-    <p:sldId id="262" r:id="rId5"/>
+    <p:sldId id="264" r:id="rId3"/>
+    <p:sldId id="261" r:id="rId4"/>
+    <p:sldId id="263" r:id="rId5"/>
+    <p:sldId id="262" r:id="rId6"/>
   </p:sldIdLst>
   <p:sldSz cx="12192000" cy="6858000"/>
   <p:notesSz cx="6858000" cy="9144000"/>
@@ -107,6 +108,11 @@
       </a:defRPr>
     </a:lvl9pPr>
   </p:defaultTextStyle>
+  <p:extLst>
+    <p:ext uri="{EFAFB233-063F-42B5-8137-9DF3F51BA10A}">
+      <p15:sldGuideLst xmlns:p15="http://schemas.microsoft.com/office/powerpoint/2012/main"/>
+    </p:ext>
+  </p:extLst>
 </p:presentation>
 </file>
 
@@ -3528,7 +3534,7 @@
             </a:pPr>
             <a:r>
               <a:rPr lang="en-US" sz="2400" dirty="0"/>
-              <a:t>Container Instance</a:t>
+              <a:t>Linux VM with Docker and Compose installed </a:t>
             </a:r>
           </a:p>
           <a:p>
@@ -3556,6 +3562,181 @@
           </a:p>
           <a:p>
             <a:endParaRPr lang="en-US" sz="2400" dirty="0"/>
+          </a:p>
+          <a:p>
+            <a:endParaRPr lang="en-US" sz="2400" dirty="0"/>
+          </a:p>
+        </p:txBody>
+      </p:sp>
+      <p:pic>
+        <p:nvPicPr>
+          <p:cNvPr id="4" name="Picture 3">
+            <a:extLst>
+              <a:ext uri="{FF2B5EF4-FFF2-40B4-BE49-F238E27FC236}">
+                <a16:creationId xmlns:a16="http://schemas.microsoft.com/office/drawing/2014/main" id="{DA5F4611-21D0-5748-8411-B993FDB5AA53}"/>
+              </a:ext>
+            </a:extLst>
+          </p:cNvPr>
+          <p:cNvPicPr>
+            <a:picLocks noChangeAspect="1"/>
+          </p:cNvPicPr>
+          <p:nvPr/>
+        </p:nvPicPr>
+        <p:blipFill>
+          <a:blip r:embed="rId2"/>
+          <a:stretch>
+            <a:fillRect/>
+          </a:stretch>
+        </p:blipFill>
+        <p:spPr>
+          <a:xfrm>
+            <a:off x="7097869" y="457200"/>
+            <a:ext cx="2741590" cy="4761709"/>
+          </a:xfrm>
+          <a:prstGeom prst="rect">
+            <a:avLst/>
+          </a:prstGeom>
+        </p:spPr>
+      </p:pic>
+    </p:spTree>
+    <p:extLst>
+      <p:ext uri="{BB962C8B-B14F-4D97-AF65-F5344CB8AC3E}">
+        <p14:creationId xmlns:p14="http://schemas.microsoft.com/office/powerpoint/2010/main" val="760093161"/>
+      </p:ext>
+    </p:extLst>
+  </p:cSld>
+  <p:clrMapOvr>
+    <a:masterClrMapping/>
+  </p:clrMapOvr>
+</p:sld>
+</file>
+
+<file path=ppt/slides/slide3.xml><?xml version="1.0" encoding="utf-8"?>
+<p:sld xmlns:a="http://schemas.openxmlformats.org/drawingml/2006/main" xmlns:r="http://schemas.openxmlformats.org/officeDocument/2006/relationships" xmlns:p="http://schemas.openxmlformats.org/presentationml/2006/main">
+  <p:cSld>
+    <p:spTree>
+      <p:nvGrpSpPr>
+        <p:cNvPr id="1" name=""/>
+        <p:cNvGrpSpPr/>
+        <p:nvPr/>
+      </p:nvGrpSpPr>
+      <p:grpSpPr>
+        <a:xfrm>
+          <a:off x="0" y="0"/>
+          <a:ext cx="0" cy="0"/>
+          <a:chOff x="0" y="0"/>
+          <a:chExt cx="0" cy="0"/>
+        </a:xfrm>
+      </p:grpSpPr>
+      <p:sp>
+        <p:nvSpPr>
+          <p:cNvPr id="2" name="Title 1">
+            <a:extLst>
+              <a:ext uri="{FF2B5EF4-FFF2-40B4-BE49-F238E27FC236}">
+                <a16:creationId xmlns:a16="http://schemas.microsoft.com/office/drawing/2014/main" id="{84C06039-152D-BF4F-9A4E-CDD60150EC0E}"/>
+              </a:ext>
+            </a:extLst>
+          </p:cNvPr>
+          <p:cNvSpPr>
+            <a:spLocks noGrp="1"/>
+          </p:cNvSpPr>
+          <p:nvPr>
+            <p:ph type="title"/>
+          </p:nvPr>
+        </p:nvSpPr>
+        <p:spPr/>
+        <p:txBody>
+          <a:bodyPr/>
+          <a:lstStyle/>
+          <a:p>
+            <a:r>
+              <a:rPr lang="en-US" dirty="0"/>
+              <a:t>Solutions Deployed </a:t>
+            </a:r>
+            <a:br>
+              <a:rPr lang="en-US" dirty="0"/>
+            </a:br>
+            <a:endParaRPr lang="en-US" dirty="0"/>
+          </a:p>
+        </p:txBody>
+      </p:sp>
+      <p:sp>
+        <p:nvSpPr>
+          <p:cNvPr id="3" name="Content Placeholder 2">
+            <a:extLst>
+              <a:ext uri="{FF2B5EF4-FFF2-40B4-BE49-F238E27FC236}">
+                <a16:creationId xmlns:a16="http://schemas.microsoft.com/office/drawing/2014/main" id="{6B944D36-EAEA-8145-AA2E-15DAACBCC57E}"/>
+              </a:ext>
+            </a:extLst>
+          </p:cNvPr>
+          <p:cNvSpPr>
+            <a:spLocks noGrp="1"/>
+          </p:cNvSpPr>
+          <p:nvPr>
+            <p:ph type="body" sz="half" idx="2"/>
+          </p:nvPr>
+        </p:nvSpPr>
+        <p:spPr>
+          <a:xfrm>
+            <a:off x="839788" y="1792941"/>
+            <a:ext cx="3932237" cy="4076047"/>
+          </a:xfrm>
+        </p:spPr>
+        <p:txBody>
+          <a:bodyPr>
+            <a:normAutofit lnSpcReduction="10000"/>
+          </a:bodyPr>
+          <a:lstStyle/>
+          <a:p>
+            <a:r>
+              <a:rPr lang="en-US" sz="2400" dirty="0"/>
+              <a:t>Cloud Provider : Azure </a:t>
+            </a:r>
+          </a:p>
+          <a:p>
+            <a:r>
+              <a:rPr lang="en-US" sz="2400" dirty="0"/>
+              <a:t>Resources :</a:t>
+            </a:r>
+          </a:p>
+          <a:p>
+            <a:pPr marL="342900" indent="-342900">
+              <a:buFont typeface="Arial" panose="020B0604020202020204" pitchFamily="34" charset="0"/>
+              <a:buChar char="•"/>
+            </a:pPr>
+            <a:r>
+              <a:rPr lang="en-US" sz="2400" dirty="0"/>
+              <a:t>Container Instance</a:t>
+            </a:r>
+          </a:p>
+          <a:p>
+            <a:pPr marL="342900" indent="-342900">
+              <a:buFont typeface="Arial" panose="020B0604020202020204" pitchFamily="34" charset="0"/>
+              <a:buChar char="•"/>
+            </a:pPr>
+            <a:r>
+              <a:rPr lang="en-US" sz="2400" dirty="0"/>
+              <a:t>Container Registry </a:t>
+            </a:r>
+          </a:p>
+          <a:p>
+            <a:pPr marL="342900" indent="-342900">
+              <a:buFont typeface="Arial" panose="020B0604020202020204" pitchFamily="34" charset="0"/>
+              <a:buChar char="•"/>
+            </a:pPr>
+            <a:r>
+              <a:rPr lang="en-US" sz="2400" dirty="0"/>
+              <a:t>Application Load Balancer </a:t>
+            </a:r>
+          </a:p>
+          <a:p>
+            <a:endParaRPr lang="en-US" sz="2400" dirty="0"/>
+          </a:p>
+          <a:p>
+            <a:r>
+              <a:rPr lang="en-US" sz="2400" dirty="0"/>
+              <a:t>Not Applicable : it seems Docker-compose is not possible in Azure container instance. </a:t>
+            </a:r>
           </a:p>
           <a:p>
             <a:endParaRPr lang="en-US" sz="2400" dirty="0"/>
@@ -3605,7 +3786,7 @@
 </p:sld>
 </file>
 
-<file path=ppt/slides/slide3.xml><?xml version="1.0" encoding="utf-8"?>
+<file path=ppt/slides/slide4.xml><?xml version="1.0" encoding="utf-8"?>
 <p:sld xmlns:a="http://schemas.openxmlformats.org/drawingml/2006/main" xmlns:r="http://schemas.openxmlformats.org/officeDocument/2006/relationships" xmlns:p="http://schemas.openxmlformats.org/presentationml/2006/main">
   <p:cSld>
     <p:spTree>
@@ -3682,7 +3863,7 @@
           <a:p>
             <a:r>
               <a:rPr lang="en-US" dirty="0"/>
-              <a:t>As Solution uses the Containers , we chosen Azure Container Instances to deploy the images </a:t>
+              <a:t>As Solution uses the Containers , we chosen  Deploy Linux VM with Docker installed to deploy the images </a:t>
             </a:r>
           </a:p>
           <a:p>
@@ -3729,8 +3910,25 @@
             <a:pPr lvl="1"/>
             <a:r>
               <a:rPr lang="en-US" dirty="0"/>
-              <a:t>Application Load Balancer is deployed so only required ports is exposed to internet and securing the containers . </a:t>
-            </a:r>
+              <a:t>Application Load Balancer is deployed so only required ports is exposed to internet and securing the containers. </a:t>
+            </a:r>
+          </a:p>
+          <a:p>
+            <a:pPr lvl="1"/>
+            <a:r>
+              <a:rPr lang="en-US" dirty="0"/>
+              <a:t>VM  is secured by NSG  and HA is achieved by Availability Zones or VMSS . </a:t>
+            </a:r>
+          </a:p>
+          <a:p>
+            <a:pPr lvl="1"/>
+            <a:endParaRPr lang="en-US" dirty="0"/>
+          </a:p>
+          <a:p>
+            <a:pPr marL="457200" lvl="1" indent="0">
+              <a:buNone/>
+            </a:pPr>
+            <a:endParaRPr lang="en-US" dirty="0"/>
           </a:p>
           <a:p>
             <a:pPr lvl="1"/>
@@ -3757,7 +3955,7 @@
 </p:sld>
 </file>
 
-<file path=ppt/slides/slide4.xml><?xml version="1.0" encoding="utf-8"?>
+<file path=ppt/slides/slide5.xml><?xml version="1.0" encoding="utf-8"?>
 <p:sld xmlns:a="http://schemas.openxmlformats.org/drawingml/2006/main" xmlns:r="http://schemas.openxmlformats.org/officeDocument/2006/relationships" xmlns:p="http://schemas.openxmlformats.org/presentationml/2006/main">
   <p:cSld>
     <p:spTree>
